--- a/論文/figures/blender/geometry.pptx
+++ b/論文/figures/blender/geometry.pptx
@@ -154,7 +154,7 @@
           </a:lstStyle>
           <a:p>
             <a:r>
-              <a:rPr lang="ja-JP" altLang="en-US" smtClean="0"/>
+              <a:rPr lang="ja-JP" altLang="en-US"/>
               <a:t>マスター タイトルの書式設定</a:t>
             </a:r>
             <a:endParaRPr lang="en-US" dirty="0"/>
@@ -219,7 +219,7 @@
           </a:lstStyle>
           <a:p>
             <a:r>
-              <a:rPr lang="ja-JP" altLang="en-US" smtClean="0"/>
+              <a:rPr lang="ja-JP" altLang="en-US"/>
               <a:t>マスター サブタイトルの書式設定</a:t>
             </a:r>
             <a:endParaRPr lang="en-US" dirty="0"/>
@@ -243,7 +243,7 @@
           <a:p>
             <a:fld id="{D29D3566-B8C8-45EF-8E04-7216D78B12E0}" type="datetimeFigureOut">
               <a:rPr kumimoji="1" lang="ja-JP" altLang="en-US" smtClean="0"/>
-              <a:t>2019/9/6</a:t>
+              <a:t>2019/9/7</a:t>
             </a:fld>
             <a:endParaRPr kumimoji="1" lang="ja-JP" altLang="en-US"/>
           </a:p>
@@ -337,7 +337,7 @@
           <a:lstStyle/>
           <a:p>
             <a:r>
-              <a:rPr lang="ja-JP" altLang="en-US" smtClean="0"/>
+              <a:rPr lang="ja-JP" altLang="en-US"/>
               <a:t>マスター タイトルの書式設定</a:t>
             </a:r>
             <a:endParaRPr lang="en-US" dirty="0"/>
@@ -361,67 +361,67 @@
           <a:p>
             <a:pPr lvl="0"/>
             <a:r>
-              <a:rPr lang="ja-JP" altLang="en-US" smtClean="0"/>
+              <a:rPr lang="ja-JP" altLang="en-US"/>
               <a:t>マスター テキストの書式設定</a:t>
             </a:r>
           </a:p>
           <a:p>
             <a:pPr lvl="1"/>
             <a:r>
-              <a:rPr lang="ja-JP" altLang="en-US" smtClean="0"/>
+              <a:rPr lang="ja-JP" altLang="en-US"/>
               <a:t>第 </a:t>
             </a:r>
             <a:r>
-              <a:rPr lang="en-US" altLang="ja-JP" smtClean="0"/>
+              <a:rPr lang="en-US" altLang="ja-JP"/>
               <a:t>2 </a:t>
             </a:r>
             <a:r>
-              <a:rPr lang="ja-JP" altLang="en-US" smtClean="0"/>
+              <a:rPr lang="ja-JP" altLang="en-US"/>
               <a:t>レベル</a:t>
             </a:r>
           </a:p>
           <a:p>
             <a:pPr lvl="2"/>
             <a:r>
-              <a:rPr lang="ja-JP" altLang="en-US" smtClean="0"/>
+              <a:rPr lang="ja-JP" altLang="en-US"/>
               <a:t>第 </a:t>
             </a:r>
             <a:r>
-              <a:rPr lang="en-US" altLang="ja-JP" smtClean="0"/>
+              <a:rPr lang="en-US" altLang="ja-JP"/>
               <a:t>3 </a:t>
             </a:r>
             <a:r>
-              <a:rPr lang="ja-JP" altLang="en-US" smtClean="0"/>
+              <a:rPr lang="ja-JP" altLang="en-US"/>
               <a:t>レベル</a:t>
             </a:r>
           </a:p>
           <a:p>
             <a:pPr lvl="3"/>
             <a:r>
-              <a:rPr lang="ja-JP" altLang="en-US" smtClean="0"/>
+              <a:rPr lang="ja-JP" altLang="en-US"/>
               <a:t>第 </a:t>
             </a:r>
             <a:r>
-              <a:rPr lang="en-US" altLang="ja-JP" smtClean="0"/>
+              <a:rPr lang="en-US" altLang="ja-JP"/>
               <a:t>4 </a:t>
             </a:r>
             <a:r>
-              <a:rPr lang="ja-JP" altLang="en-US" smtClean="0"/>
+              <a:rPr lang="ja-JP" altLang="en-US"/>
               <a:t>レベル</a:t>
             </a:r>
           </a:p>
           <a:p>
             <a:pPr lvl="4"/>
             <a:r>
-              <a:rPr lang="ja-JP" altLang="en-US" smtClean="0"/>
+              <a:rPr lang="ja-JP" altLang="en-US"/>
               <a:t>第 </a:t>
             </a:r>
             <a:r>
-              <a:rPr lang="en-US" altLang="ja-JP" smtClean="0"/>
+              <a:rPr lang="en-US" altLang="ja-JP"/>
               <a:t>5 </a:t>
             </a:r>
             <a:r>
-              <a:rPr lang="ja-JP" altLang="en-US" smtClean="0"/>
+              <a:rPr lang="ja-JP" altLang="en-US"/>
               <a:t>レベル</a:t>
             </a:r>
             <a:endParaRPr lang="en-US" dirty="0"/>
@@ -445,7 +445,7 @@
           <a:p>
             <a:fld id="{D29D3566-B8C8-45EF-8E04-7216D78B12E0}" type="datetimeFigureOut">
               <a:rPr kumimoji="1" lang="ja-JP" altLang="en-US" smtClean="0"/>
-              <a:t>2019/9/6</a:t>
+              <a:t>2019/9/7</a:t>
             </a:fld>
             <a:endParaRPr kumimoji="1" lang="ja-JP" altLang="en-US"/>
           </a:p>
@@ -544,7 +544,7 @@
           <a:lstStyle/>
           <a:p>
             <a:r>
-              <a:rPr lang="ja-JP" altLang="en-US" smtClean="0"/>
+              <a:rPr lang="ja-JP" altLang="en-US"/>
               <a:t>マスター タイトルの書式設定</a:t>
             </a:r>
             <a:endParaRPr lang="en-US" dirty="0"/>
@@ -573,67 +573,67 @@
           <a:p>
             <a:pPr lvl="0"/>
             <a:r>
-              <a:rPr lang="ja-JP" altLang="en-US" smtClean="0"/>
+              <a:rPr lang="ja-JP" altLang="en-US"/>
               <a:t>マスター テキストの書式設定</a:t>
             </a:r>
           </a:p>
           <a:p>
             <a:pPr lvl="1"/>
             <a:r>
-              <a:rPr lang="ja-JP" altLang="en-US" smtClean="0"/>
+              <a:rPr lang="ja-JP" altLang="en-US"/>
               <a:t>第 </a:t>
             </a:r>
             <a:r>
-              <a:rPr lang="en-US" altLang="ja-JP" smtClean="0"/>
+              <a:rPr lang="en-US" altLang="ja-JP"/>
               <a:t>2 </a:t>
             </a:r>
             <a:r>
-              <a:rPr lang="ja-JP" altLang="en-US" smtClean="0"/>
+              <a:rPr lang="ja-JP" altLang="en-US"/>
               <a:t>レベル</a:t>
             </a:r>
           </a:p>
           <a:p>
             <a:pPr lvl="2"/>
             <a:r>
-              <a:rPr lang="ja-JP" altLang="en-US" smtClean="0"/>
+              <a:rPr lang="ja-JP" altLang="en-US"/>
               <a:t>第 </a:t>
             </a:r>
             <a:r>
-              <a:rPr lang="en-US" altLang="ja-JP" smtClean="0"/>
+              <a:rPr lang="en-US" altLang="ja-JP"/>
               <a:t>3 </a:t>
             </a:r>
             <a:r>
-              <a:rPr lang="ja-JP" altLang="en-US" smtClean="0"/>
+              <a:rPr lang="ja-JP" altLang="en-US"/>
               <a:t>レベル</a:t>
             </a:r>
           </a:p>
           <a:p>
             <a:pPr lvl="3"/>
             <a:r>
-              <a:rPr lang="ja-JP" altLang="en-US" smtClean="0"/>
+              <a:rPr lang="ja-JP" altLang="en-US"/>
               <a:t>第 </a:t>
             </a:r>
             <a:r>
-              <a:rPr lang="en-US" altLang="ja-JP" smtClean="0"/>
+              <a:rPr lang="en-US" altLang="ja-JP"/>
               <a:t>4 </a:t>
             </a:r>
             <a:r>
-              <a:rPr lang="ja-JP" altLang="en-US" smtClean="0"/>
+              <a:rPr lang="ja-JP" altLang="en-US"/>
               <a:t>レベル</a:t>
             </a:r>
           </a:p>
           <a:p>
             <a:pPr lvl="4"/>
             <a:r>
-              <a:rPr lang="ja-JP" altLang="en-US" smtClean="0"/>
+              <a:rPr lang="ja-JP" altLang="en-US"/>
               <a:t>第 </a:t>
             </a:r>
             <a:r>
-              <a:rPr lang="en-US" altLang="ja-JP" smtClean="0"/>
+              <a:rPr lang="en-US" altLang="ja-JP"/>
               <a:t>5 </a:t>
             </a:r>
             <a:r>
-              <a:rPr lang="ja-JP" altLang="en-US" smtClean="0"/>
+              <a:rPr lang="ja-JP" altLang="en-US"/>
               <a:t>レベル</a:t>
             </a:r>
             <a:endParaRPr lang="en-US" dirty="0"/>
@@ -657,7 +657,7 @@
           <a:p>
             <a:fld id="{D29D3566-B8C8-45EF-8E04-7216D78B12E0}" type="datetimeFigureOut">
               <a:rPr kumimoji="1" lang="ja-JP" altLang="en-US" smtClean="0"/>
-              <a:t>2019/9/6</a:t>
+              <a:t>2019/9/7</a:t>
             </a:fld>
             <a:endParaRPr kumimoji="1" lang="ja-JP" altLang="en-US"/>
           </a:p>
@@ -751,7 +751,7 @@
           <a:lstStyle/>
           <a:p>
             <a:r>
-              <a:rPr lang="ja-JP" altLang="en-US" smtClean="0"/>
+              <a:rPr lang="ja-JP" altLang="en-US"/>
               <a:t>マスター タイトルの書式設定</a:t>
             </a:r>
             <a:endParaRPr lang="en-US" dirty="0"/>
@@ -775,67 +775,67 @@
           <a:p>
             <a:pPr lvl="0"/>
             <a:r>
-              <a:rPr lang="ja-JP" altLang="en-US" smtClean="0"/>
+              <a:rPr lang="ja-JP" altLang="en-US"/>
               <a:t>マスター テキストの書式設定</a:t>
             </a:r>
           </a:p>
           <a:p>
             <a:pPr lvl="1"/>
             <a:r>
-              <a:rPr lang="ja-JP" altLang="en-US" smtClean="0"/>
+              <a:rPr lang="ja-JP" altLang="en-US"/>
               <a:t>第 </a:t>
             </a:r>
             <a:r>
-              <a:rPr lang="en-US" altLang="ja-JP" smtClean="0"/>
+              <a:rPr lang="en-US" altLang="ja-JP"/>
               <a:t>2 </a:t>
             </a:r>
             <a:r>
-              <a:rPr lang="ja-JP" altLang="en-US" smtClean="0"/>
+              <a:rPr lang="ja-JP" altLang="en-US"/>
               <a:t>レベル</a:t>
             </a:r>
           </a:p>
           <a:p>
             <a:pPr lvl="2"/>
             <a:r>
-              <a:rPr lang="ja-JP" altLang="en-US" smtClean="0"/>
+              <a:rPr lang="ja-JP" altLang="en-US"/>
               <a:t>第 </a:t>
             </a:r>
             <a:r>
-              <a:rPr lang="en-US" altLang="ja-JP" smtClean="0"/>
+              <a:rPr lang="en-US" altLang="ja-JP"/>
               <a:t>3 </a:t>
             </a:r>
             <a:r>
-              <a:rPr lang="ja-JP" altLang="en-US" smtClean="0"/>
+              <a:rPr lang="ja-JP" altLang="en-US"/>
               <a:t>レベル</a:t>
             </a:r>
           </a:p>
           <a:p>
             <a:pPr lvl="3"/>
             <a:r>
-              <a:rPr lang="ja-JP" altLang="en-US" smtClean="0"/>
+              <a:rPr lang="ja-JP" altLang="en-US"/>
               <a:t>第 </a:t>
             </a:r>
             <a:r>
-              <a:rPr lang="en-US" altLang="ja-JP" smtClean="0"/>
+              <a:rPr lang="en-US" altLang="ja-JP"/>
               <a:t>4 </a:t>
             </a:r>
             <a:r>
-              <a:rPr lang="ja-JP" altLang="en-US" smtClean="0"/>
+              <a:rPr lang="ja-JP" altLang="en-US"/>
               <a:t>レベル</a:t>
             </a:r>
           </a:p>
           <a:p>
             <a:pPr lvl="4"/>
             <a:r>
-              <a:rPr lang="ja-JP" altLang="en-US" smtClean="0"/>
+              <a:rPr lang="ja-JP" altLang="en-US"/>
               <a:t>第 </a:t>
             </a:r>
             <a:r>
-              <a:rPr lang="en-US" altLang="ja-JP" smtClean="0"/>
+              <a:rPr lang="en-US" altLang="ja-JP"/>
               <a:t>5 </a:t>
             </a:r>
             <a:r>
-              <a:rPr lang="ja-JP" altLang="en-US" smtClean="0"/>
+              <a:rPr lang="ja-JP" altLang="en-US"/>
               <a:t>レベル</a:t>
             </a:r>
             <a:endParaRPr lang="en-US" dirty="0"/>
@@ -859,7 +859,7 @@
           <a:p>
             <a:fld id="{D29D3566-B8C8-45EF-8E04-7216D78B12E0}" type="datetimeFigureOut">
               <a:rPr kumimoji="1" lang="ja-JP" altLang="en-US" smtClean="0"/>
-              <a:t>2019/9/6</a:t>
+              <a:t>2019/9/7</a:t>
             </a:fld>
             <a:endParaRPr kumimoji="1" lang="ja-JP" altLang="en-US"/>
           </a:p>
@@ -962,7 +962,7 @@
           </a:lstStyle>
           <a:p>
             <a:r>
-              <a:rPr lang="ja-JP" altLang="en-US" smtClean="0"/>
+              <a:rPr lang="ja-JP" altLang="en-US"/>
               <a:t>マスター タイトルの書式設定</a:t>
             </a:r>
             <a:endParaRPr lang="en-US" dirty="0"/>
@@ -1080,7 +1080,7 @@
           <a:p>
             <a:pPr lvl="0"/>
             <a:r>
-              <a:rPr lang="ja-JP" altLang="en-US" smtClean="0"/>
+              <a:rPr lang="ja-JP" altLang="en-US"/>
               <a:t>マスター テキストの書式設定</a:t>
             </a:r>
           </a:p>
@@ -1103,7 +1103,7 @@
           <a:p>
             <a:fld id="{D29D3566-B8C8-45EF-8E04-7216D78B12E0}" type="datetimeFigureOut">
               <a:rPr kumimoji="1" lang="ja-JP" altLang="en-US" smtClean="0"/>
-              <a:t>2019/9/6</a:t>
+              <a:t>2019/9/7</a:t>
             </a:fld>
             <a:endParaRPr kumimoji="1" lang="ja-JP" altLang="en-US"/>
           </a:p>
@@ -1197,7 +1197,7 @@
           <a:lstStyle/>
           <a:p>
             <a:r>
-              <a:rPr lang="ja-JP" altLang="en-US" smtClean="0"/>
+              <a:rPr lang="ja-JP" altLang="en-US"/>
               <a:t>マスター タイトルの書式設定</a:t>
             </a:r>
             <a:endParaRPr lang="en-US" dirty="0"/>
@@ -1226,67 +1226,67 @@
           <a:p>
             <a:pPr lvl="0"/>
             <a:r>
-              <a:rPr lang="ja-JP" altLang="en-US" smtClean="0"/>
+              <a:rPr lang="ja-JP" altLang="en-US"/>
               <a:t>マスター テキストの書式設定</a:t>
             </a:r>
           </a:p>
           <a:p>
             <a:pPr lvl="1"/>
             <a:r>
-              <a:rPr lang="ja-JP" altLang="en-US" smtClean="0"/>
+              <a:rPr lang="ja-JP" altLang="en-US"/>
               <a:t>第 </a:t>
             </a:r>
             <a:r>
-              <a:rPr lang="en-US" altLang="ja-JP" smtClean="0"/>
+              <a:rPr lang="en-US" altLang="ja-JP"/>
               <a:t>2 </a:t>
             </a:r>
             <a:r>
-              <a:rPr lang="ja-JP" altLang="en-US" smtClean="0"/>
+              <a:rPr lang="ja-JP" altLang="en-US"/>
               <a:t>レベル</a:t>
             </a:r>
           </a:p>
           <a:p>
             <a:pPr lvl="2"/>
             <a:r>
-              <a:rPr lang="ja-JP" altLang="en-US" smtClean="0"/>
+              <a:rPr lang="ja-JP" altLang="en-US"/>
               <a:t>第 </a:t>
             </a:r>
             <a:r>
-              <a:rPr lang="en-US" altLang="ja-JP" smtClean="0"/>
+              <a:rPr lang="en-US" altLang="ja-JP"/>
               <a:t>3 </a:t>
             </a:r>
             <a:r>
-              <a:rPr lang="ja-JP" altLang="en-US" smtClean="0"/>
+              <a:rPr lang="ja-JP" altLang="en-US"/>
               <a:t>レベル</a:t>
             </a:r>
           </a:p>
           <a:p>
             <a:pPr lvl="3"/>
             <a:r>
-              <a:rPr lang="ja-JP" altLang="en-US" smtClean="0"/>
+              <a:rPr lang="ja-JP" altLang="en-US"/>
               <a:t>第 </a:t>
             </a:r>
             <a:r>
-              <a:rPr lang="en-US" altLang="ja-JP" smtClean="0"/>
+              <a:rPr lang="en-US" altLang="ja-JP"/>
               <a:t>4 </a:t>
             </a:r>
             <a:r>
-              <a:rPr lang="ja-JP" altLang="en-US" smtClean="0"/>
+              <a:rPr lang="ja-JP" altLang="en-US"/>
               <a:t>レベル</a:t>
             </a:r>
           </a:p>
           <a:p>
             <a:pPr lvl="4"/>
             <a:r>
-              <a:rPr lang="ja-JP" altLang="en-US" smtClean="0"/>
+              <a:rPr lang="ja-JP" altLang="en-US"/>
               <a:t>第 </a:t>
             </a:r>
             <a:r>
-              <a:rPr lang="en-US" altLang="ja-JP" smtClean="0"/>
+              <a:rPr lang="en-US" altLang="ja-JP"/>
               <a:t>5 </a:t>
             </a:r>
             <a:r>
-              <a:rPr lang="ja-JP" altLang="en-US" smtClean="0"/>
+              <a:rPr lang="ja-JP" altLang="en-US"/>
               <a:t>レベル</a:t>
             </a:r>
             <a:endParaRPr lang="en-US" dirty="0"/>
@@ -1315,67 +1315,67 @@
           <a:p>
             <a:pPr lvl="0"/>
             <a:r>
-              <a:rPr lang="ja-JP" altLang="en-US" smtClean="0"/>
+              <a:rPr lang="ja-JP" altLang="en-US"/>
               <a:t>マスター テキストの書式設定</a:t>
             </a:r>
           </a:p>
           <a:p>
             <a:pPr lvl="1"/>
             <a:r>
-              <a:rPr lang="ja-JP" altLang="en-US" smtClean="0"/>
+              <a:rPr lang="ja-JP" altLang="en-US"/>
               <a:t>第 </a:t>
             </a:r>
             <a:r>
-              <a:rPr lang="en-US" altLang="ja-JP" smtClean="0"/>
+              <a:rPr lang="en-US" altLang="ja-JP"/>
               <a:t>2 </a:t>
             </a:r>
             <a:r>
-              <a:rPr lang="ja-JP" altLang="en-US" smtClean="0"/>
+              <a:rPr lang="ja-JP" altLang="en-US"/>
               <a:t>レベル</a:t>
             </a:r>
           </a:p>
           <a:p>
             <a:pPr lvl="2"/>
             <a:r>
-              <a:rPr lang="ja-JP" altLang="en-US" smtClean="0"/>
+              <a:rPr lang="ja-JP" altLang="en-US"/>
               <a:t>第 </a:t>
             </a:r>
             <a:r>
-              <a:rPr lang="en-US" altLang="ja-JP" smtClean="0"/>
+              <a:rPr lang="en-US" altLang="ja-JP"/>
               <a:t>3 </a:t>
             </a:r>
             <a:r>
-              <a:rPr lang="ja-JP" altLang="en-US" smtClean="0"/>
+              <a:rPr lang="ja-JP" altLang="en-US"/>
               <a:t>レベル</a:t>
             </a:r>
           </a:p>
           <a:p>
             <a:pPr lvl="3"/>
             <a:r>
-              <a:rPr lang="ja-JP" altLang="en-US" smtClean="0"/>
+              <a:rPr lang="ja-JP" altLang="en-US"/>
               <a:t>第 </a:t>
             </a:r>
             <a:r>
-              <a:rPr lang="en-US" altLang="ja-JP" smtClean="0"/>
+              <a:rPr lang="en-US" altLang="ja-JP"/>
               <a:t>4 </a:t>
             </a:r>
             <a:r>
-              <a:rPr lang="ja-JP" altLang="en-US" smtClean="0"/>
+              <a:rPr lang="ja-JP" altLang="en-US"/>
               <a:t>レベル</a:t>
             </a:r>
           </a:p>
           <a:p>
             <a:pPr lvl="4"/>
             <a:r>
-              <a:rPr lang="ja-JP" altLang="en-US" smtClean="0"/>
+              <a:rPr lang="ja-JP" altLang="en-US"/>
               <a:t>第 </a:t>
             </a:r>
             <a:r>
-              <a:rPr lang="en-US" altLang="ja-JP" smtClean="0"/>
+              <a:rPr lang="en-US" altLang="ja-JP"/>
               <a:t>5 </a:t>
             </a:r>
             <a:r>
-              <a:rPr lang="ja-JP" altLang="en-US" smtClean="0"/>
+              <a:rPr lang="ja-JP" altLang="en-US"/>
               <a:t>レベル</a:t>
             </a:r>
             <a:endParaRPr lang="en-US" dirty="0"/>
@@ -1399,7 +1399,7 @@
           <a:p>
             <a:fld id="{D29D3566-B8C8-45EF-8E04-7216D78B12E0}" type="datetimeFigureOut">
               <a:rPr kumimoji="1" lang="ja-JP" altLang="en-US" smtClean="0"/>
-              <a:t>2019/9/6</a:t>
+              <a:t>2019/9/7</a:t>
             </a:fld>
             <a:endParaRPr kumimoji="1" lang="ja-JP" altLang="en-US"/>
           </a:p>
@@ -1498,7 +1498,7 @@
           <a:lstStyle/>
           <a:p>
             <a:r>
-              <a:rPr lang="ja-JP" altLang="en-US" smtClean="0"/>
+              <a:rPr lang="ja-JP" altLang="en-US"/>
               <a:t>マスター タイトルの書式設定</a:t>
             </a:r>
             <a:endParaRPr lang="en-US" dirty="0"/>
@@ -1564,7 +1564,7 @@
           <a:p>
             <a:pPr lvl="0"/>
             <a:r>
-              <a:rPr lang="ja-JP" altLang="en-US" smtClean="0"/>
+              <a:rPr lang="ja-JP" altLang="en-US"/>
               <a:t>マスター テキストの書式設定</a:t>
             </a:r>
           </a:p>
@@ -1592,67 +1592,67 @@
           <a:p>
             <a:pPr lvl="0"/>
             <a:r>
-              <a:rPr lang="ja-JP" altLang="en-US" smtClean="0"/>
+              <a:rPr lang="ja-JP" altLang="en-US"/>
               <a:t>マスター テキストの書式設定</a:t>
             </a:r>
           </a:p>
           <a:p>
             <a:pPr lvl="1"/>
             <a:r>
-              <a:rPr lang="ja-JP" altLang="en-US" smtClean="0"/>
+              <a:rPr lang="ja-JP" altLang="en-US"/>
               <a:t>第 </a:t>
             </a:r>
             <a:r>
-              <a:rPr lang="en-US" altLang="ja-JP" smtClean="0"/>
+              <a:rPr lang="en-US" altLang="ja-JP"/>
               <a:t>2 </a:t>
             </a:r>
             <a:r>
-              <a:rPr lang="ja-JP" altLang="en-US" smtClean="0"/>
+              <a:rPr lang="ja-JP" altLang="en-US"/>
               <a:t>レベル</a:t>
             </a:r>
           </a:p>
           <a:p>
             <a:pPr lvl="2"/>
             <a:r>
-              <a:rPr lang="ja-JP" altLang="en-US" smtClean="0"/>
+              <a:rPr lang="ja-JP" altLang="en-US"/>
               <a:t>第 </a:t>
             </a:r>
             <a:r>
-              <a:rPr lang="en-US" altLang="ja-JP" smtClean="0"/>
+              <a:rPr lang="en-US" altLang="ja-JP"/>
               <a:t>3 </a:t>
             </a:r>
             <a:r>
-              <a:rPr lang="ja-JP" altLang="en-US" smtClean="0"/>
+              <a:rPr lang="ja-JP" altLang="en-US"/>
               <a:t>レベル</a:t>
             </a:r>
           </a:p>
           <a:p>
             <a:pPr lvl="3"/>
             <a:r>
-              <a:rPr lang="ja-JP" altLang="en-US" smtClean="0"/>
+              <a:rPr lang="ja-JP" altLang="en-US"/>
               <a:t>第 </a:t>
             </a:r>
             <a:r>
-              <a:rPr lang="en-US" altLang="ja-JP" smtClean="0"/>
+              <a:rPr lang="en-US" altLang="ja-JP"/>
               <a:t>4 </a:t>
             </a:r>
             <a:r>
-              <a:rPr lang="ja-JP" altLang="en-US" smtClean="0"/>
+              <a:rPr lang="ja-JP" altLang="en-US"/>
               <a:t>レベル</a:t>
             </a:r>
           </a:p>
           <a:p>
             <a:pPr lvl="4"/>
             <a:r>
-              <a:rPr lang="ja-JP" altLang="en-US" smtClean="0"/>
+              <a:rPr lang="ja-JP" altLang="en-US"/>
               <a:t>第 </a:t>
             </a:r>
             <a:r>
-              <a:rPr lang="en-US" altLang="ja-JP" smtClean="0"/>
+              <a:rPr lang="en-US" altLang="ja-JP"/>
               <a:t>5 </a:t>
             </a:r>
             <a:r>
-              <a:rPr lang="ja-JP" altLang="en-US" smtClean="0"/>
+              <a:rPr lang="ja-JP" altLang="en-US"/>
               <a:t>レベル</a:t>
             </a:r>
             <a:endParaRPr lang="en-US" dirty="0"/>
@@ -1718,7 +1718,7 @@
           <a:p>
             <a:pPr lvl="0"/>
             <a:r>
-              <a:rPr lang="ja-JP" altLang="en-US" smtClean="0"/>
+              <a:rPr lang="ja-JP" altLang="en-US"/>
               <a:t>マスター テキストの書式設定</a:t>
             </a:r>
           </a:p>
@@ -1746,67 +1746,67 @@
           <a:p>
             <a:pPr lvl="0"/>
             <a:r>
-              <a:rPr lang="ja-JP" altLang="en-US" smtClean="0"/>
+              <a:rPr lang="ja-JP" altLang="en-US"/>
               <a:t>マスター テキストの書式設定</a:t>
             </a:r>
           </a:p>
           <a:p>
             <a:pPr lvl="1"/>
             <a:r>
-              <a:rPr lang="ja-JP" altLang="en-US" smtClean="0"/>
+              <a:rPr lang="ja-JP" altLang="en-US"/>
               <a:t>第 </a:t>
             </a:r>
             <a:r>
-              <a:rPr lang="en-US" altLang="ja-JP" smtClean="0"/>
+              <a:rPr lang="en-US" altLang="ja-JP"/>
               <a:t>2 </a:t>
             </a:r>
             <a:r>
-              <a:rPr lang="ja-JP" altLang="en-US" smtClean="0"/>
+              <a:rPr lang="ja-JP" altLang="en-US"/>
               <a:t>レベル</a:t>
             </a:r>
           </a:p>
           <a:p>
             <a:pPr lvl="2"/>
             <a:r>
-              <a:rPr lang="ja-JP" altLang="en-US" smtClean="0"/>
+              <a:rPr lang="ja-JP" altLang="en-US"/>
               <a:t>第 </a:t>
             </a:r>
             <a:r>
-              <a:rPr lang="en-US" altLang="ja-JP" smtClean="0"/>
+              <a:rPr lang="en-US" altLang="ja-JP"/>
               <a:t>3 </a:t>
             </a:r>
             <a:r>
-              <a:rPr lang="ja-JP" altLang="en-US" smtClean="0"/>
+              <a:rPr lang="ja-JP" altLang="en-US"/>
               <a:t>レベル</a:t>
             </a:r>
           </a:p>
           <a:p>
             <a:pPr lvl="3"/>
             <a:r>
-              <a:rPr lang="ja-JP" altLang="en-US" smtClean="0"/>
+              <a:rPr lang="ja-JP" altLang="en-US"/>
               <a:t>第 </a:t>
             </a:r>
             <a:r>
-              <a:rPr lang="en-US" altLang="ja-JP" smtClean="0"/>
+              <a:rPr lang="en-US" altLang="ja-JP"/>
               <a:t>4 </a:t>
             </a:r>
             <a:r>
-              <a:rPr lang="ja-JP" altLang="en-US" smtClean="0"/>
+              <a:rPr lang="ja-JP" altLang="en-US"/>
               <a:t>レベル</a:t>
             </a:r>
           </a:p>
           <a:p>
             <a:pPr lvl="4"/>
             <a:r>
-              <a:rPr lang="ja-JP" altLang="en-US" smtClean="0"/>
+              <a:rPr lang="ja-JP" altLang="en-US"/>
               <a:t>第 </a:t>
             </a:r>
             <a:r>
-              <a:rPr lang="en-US" altLang="ja-JP" smtClean="0"/>
+              <a:rPr lang="en-US" altLang="ja-JP"/>
               <a:t>5 </a:t>
             </a:r>
             <a:r>
-              <a:rPr lang="ja-JP" altLang="en-US" smtClean="0"/>
+              <a:rPr lang="ja-JP" altLang="en-US"/>
               <a:t>レベル</a:t>
             </a:r>
             <a:endParaRPr lang="en-US" dirty="0"/>
@@ -1830,7 +1830,7 @@
           <a:p>
             <a:fld id="{D29D3566-B8C8-45EF-8E04-7216D78B12E0}" type="datetimeFigureOut">
               <a:rPr kumimoji="1" lang="ja-JP" altLang="en-US" smtClean="0"/>
-              <a:t>2019/9/6</a:t>
+              <a:t>2019/9/7</a:t>
             </a:fld>
             <a:endParaRPr kumimoji="1" lang="ja-JP" altLang="en-US"/>
           </a:p>
@@ -1924,7 +1924,7 @@
           <a:lstStyle/>
           <a:p>
             <a:r>
-              <a:rPr lang="ja-JP" altLang="en-US" smtClean="0"/>
+              <a:rPr lang="ja-JP" altLang="en-US"/>
               <a:t>マスター タイトルの書式設定</a:t>
             </a:r>
             <a:endParaRPr lang="en-US" dirty="0"/>
@@ -1948,7 +1948,7 @@
           <a:p>
             <a:fld id="{D29D3566-B8C8-45EF-8E04-7216D78B12E0}" type="datetimeFigureOut">
               <a:rPr kumimoji="1" lang="ja-JP" altLang="en-US" smtClean="0"/>
-              <a:t>2019/9/6</a:t>
+              <a:t>2019/9/7</a:t>
             </a:fld>
             <a:endParaRPr kumimoji="1" lang="ja-JP" altLang="en-US"/>
           </a:p>
@@ -2043,7 +2043,7 @@
           <a:p>
             <a:fld id="{D29D3566-B8C8-45EF-8E04-7216D78B12E0}" type="datetimeFigureOut">
               <a:rPr kumimoji="1" lang="ja-JP" altLang="en-US" smtClean="0"/>
-              <a:t>2019/9/6</a:t>
+              <a:t>2019/9/7</a:t>
             </a:fld>
             <a:endParaRPr kumimoji="1" lang="ja-JP" altLang="en-US"/>
           </a:p>
@@ -2146,7 +2146,7 @@
           </a:lstStyle>
           <a:p>
             <a:r>
-              <a:rPr lang="ja-JP" altLang="en-US" smtClean="0"/>
+              <a:rPr lang="ja-JP" altLang="en-US"/>
               <a:t>マスター タイトルの書式設定</a:t>
             </a:r>
             <a:endParaRPr lang="en-US" dirty="0"/>
@@ -2203,67 +2203,67 @@
           <a:p>
             <a:pPr lvl="0"/>
             <a:r>
-              <a:rPr lang="ja-JP" altLang="en-US" smtClean="0"/>
+              <a:rPr lang="ja-JP" altLang="en-US"/>
               <a:t>マスター テキストの書式設定</a:t>
             </a:r>
           </a:p>
           <a:p>
             <a:pPr lvl="1"/>
             <a:r>
-              <a:rPr lang="ja-JP" altLang="en-US" smtClean="0"/>
+              <a:rPr lang="ja-JP" altLang="en-US"/>
               <a:t>第 </a:t>
             </a:r>
             <a:r>
-              <a:rPr lang="en-US" altLang="ja-JP" smtClean="0"/>
+              <a:rPr lang="en-US" altLang="ja-JP"/>
               <a:t>2 </a:t>
             </a:r>
             <a:r>
-              <a:rPr lang="ja-JP" altLang="en-US" smtClean="0"/>
+              <a:rPr lang="ja-JP" altLang="en-US"/>
               <a:t>レベル</a:t>
             </a:r>
           </a:p>
           <a:p>
             <a:pPr lvl="2"/>
             <a:r>
-              <a:rPr lang="ja-JP" altLang="en-US" smtClean="0"/>
+              <a:rPr lang="ja-JP" altLang="en-US"/>
               <a:t>第 </a:t>
             </a:r>
             <a:r>
-              <a:rPr lang="en-US" altLang="ja-JP" smtClean="0"/>
+              <a:rPr lang="en-US" altLang="ja-JP"/>
               <a:t>3 </a:t>
             </a:r>
             <a:r>
-              <a:rPr lang="ja-JP" altLang="en-US" smtClean="0"/>
+              <a:rPr lang="ja-JP" altLang="en-US"/>
               <a:t>レベル</a:t>
             </a:r>
           </a:p>
           <a:p>
             <a:pPr lvl="3"/>
             <a:r>
-              <a:rPr lang="ja-JP" altLang="en-US" smtClean="0"/>
+              <a:rPr lang="ja-JP" altLang="en-US"/>
               <a:t>第 </a:t>
             </a:r>
             <a:r>
-              <a:rPr lang="en-US" altLang="ja-JP" smtClean="0"/>
+              <a:rPr lang="en-US" altLang="ja-JP"/>
               <a:t>4 </a:t>
             </a:r>
             <a:r>
-              <a:rPr lang="ja-JP" altLang="en-US" smtClean="0"/>
+              <a:rPr lang="ja-JP" altLang="en-US"/>
               <a:t>レベル</a:t>
             </a:r>
           </a:p>
           <a:p>
             <a:pPr lvl="4"/>
             <a:r>
-              <a:rPr lang="ja-JP" altLang="en-US" smtClean="0"/>
+              <a:rPr lang="ja-JP" altLang="en-US"/>
               <a:t>第 </a:t>
             </a:r>
             <a:r>
-              <a:rPr lang="en-US" altLang="ja-JP" smtClean="0"/>
+              <a:rPr lang="en-US" altLang="ja-JP"/>
               <a:t>5 </a:t>
             </a:r>
             <a:r>
-              <a:rPr lang="ja-JP" altLang="en-US" smtClean="0"/>
+              <a:rPr lang="ja-JP" altLang="en-US"/>
               <a:t>レベル</a:t>
             </a:r>
             <a:endParaRPr lang="en-US" dirty="0"/>
@@ -2329,7 +2329,7 @@
           <a:p>
             <a:pPr lvl="0"/>
             <a:r>
-              <a:rPr lang="ja-JP" altLang="en-US" smtClean="0"/>
+              <a:rPr lang="ja-JP" altLang="en-US"/>
               <a:t>マスター テキストの書式設定</a:t>
             </a:r>
           </a:p>
@@ -2352,7 +2352,7 @@
           <a:p>
             <a:fld id="{D29D3566-B8C8-45EF-8E04-7216D78B12E0}" type="datetimeFigureOut">
               <a:rPr kumimoji="1" lang="ja-JP" altLang="en-US" smtClean="0"/>
-              <a:t>2019/9/6</a:t>
+              <a:t>2019/9/7</a:t>
             </a:fld>
             <a:endParaRPr kumimoji="1" lang="ja-JP" altLang="en-US"/>
           </a:p>
@@ -2455,7 +2455,7 @@
           </a:lstStyle>
           <a:p>
             <a:r>
-              <a:rPr lang="ja-JP" altLang="en-US" smtClean="0"/>
+              <a:rPr lang="ja-JP" altLang="en-US"/>
               <a:t>マスター タイトルの書式設定</a:t>
             </a:r>
             <a:endParaRPr lang="en-US" dirty="0"/>
@@ -2520,7 +2520,7 @@
           </a:lstStyle>
           <a:p>
             <a:r>
-              <a:rPr lang="ja-JP" altLang="en-US" smtClean="0"/>
+              <a:rPr lang="ja-JP" altLang="en-US"/>
               <a:t>図を追加</a:t>
             </a:r>
             <a:endParaRPr lang="en-US" dirty="0"/>
@@ -2586,7 +2586,7 @@
           <a:p>
             <a:pPr lvl="0"/>
             <a:r>
-              <a:rPr lang="ja-JP" altLang="en-US" smtClean="0"/>
+              <a:rPr lang="ja-JP" altLang="en-US"/>
               <a:t>マスター テキストの書式設定</a:t>
             </a:r>
           </a:p>
@@ -2609,7 +2609,7 @@
           <a:p>
             <a:fld id="{D29D3566-B8C8-45EF-8E04-7216D78B12E0}" type="datetimeFigureOut">
               <a:rPr kumimoji="1" lang="ja-JP" altLang="en-US" smtClean="0"/>
-              <a:t>2019/9/6</a:t>
+              <a:t>2019/9/7</a:t>
             </a:fld>
             <a:endParaRPr kumimoji="1" lang="ja-JP" altLang="en-US"/>
           </a:p>
@@ -2718,7 +2718,7 @@
           <a:lstStyle/>
           <a:p>
             <a:r>
-              <a:rPr lang="ja-JP" altLang="en-US" smtClean="0"/>
+              <a:rPr lang="ja-JP" altLang="en-US"/>
               <a:t>マスター タイトルの書式設定</a:t>
             </a:r>
             <a:endParaRPr lang="en-US" dirty="0"/>
@@ -2752,67 +2752,67 @@
           <a:p>
             <a:pPr lvl="0"/>
             <a:r>
-              <a:rPr lang="ja-JP" altLang="en-US" smtClean="0"/>
+              <a:rPr lang="ja-JP" altLang="en-US"/>
               <a:t>マスター テキストの書式設定</a:t>
             </a:r>
           </a:p>
           <a:p>
             <a:pPr lvl="1"/>
             <a:r>
-              <a:rPr lang="ja-JP" altLang="en-US" smtClean="0"/>
+              <a:rPr lang="ja-JP" altLang="en-US"/>
               <a:t>第 </a:t>
             </a:r>
             <a:r>
-              <a:rPr lang="en-US" altLang="ja-JP" smtClean="0"/>
+              <a:rPr lang="en-US" altLang="ja-JP"/>
               <a:t>2 </a:t>
             </a:r>
             <a:r>
-              <a:rPr lang="ja-JP" altLang="en-US" smtClean="0"/>
+              <a:rPr lang="ja-JP" altLang="en-US"/>
               <a:t>レベル</a:t>
             </a:r>
           </a:p>
           <a:p>
             <a:pPr lvl="2"/>
             <a:r>
-              <a:rPr lang="ja-JP" altLang="en-US" smtClean="0"/>
+              <a:rPr lang="ja-JP" altLang="en-US"/>
               <a:t>第 </a:t>
             </a:r>
             <a:r>
-              <a:rPr lang="en-US" altLang="ja-JP" smtClean="0"/>
+              <a:rPr lang="en-US" altLang="ja-JP"/>
               <a:t>3 </a:t>
             </a:r>
             <a:r>
-              <a:rPr lang="ja-JP" altLang="en-US" smtClean="0"/>
+              <a:rPr lang="ja-JP" altLang="en-US"/>
               <a:t>レベル</a:t>
             </a:r>
           </a:p>
           <a:p>
             <a:pPr lvl="3"/>
             <a:r>
-              <a:rPr lang="ja-JP" altLang="en-US" smtClean="0"/>
+              <a:rPr lang="ja-JP" altLang="en-US"/>
               <a:t>第 </a:t>
             </a:r>
             <a:r>
-              <a:rPr lang="en-US" altLang="ja-JP" smtClean="0"/>
+              <a:rPr lang="en-US" altLang="ja-JP"/>
               <a:t>4 </a:t>
             </a:r>
             <a:r>
-              <a:rPr lang="ja-JP" altLang="en-US" smtClean="0"/>
+              <a:rPr lang="ja-JP" altLang="en-US"/>
               <a:t>レベル</a:t>
             </a:r>
           </a:p>
           <a:p>
             <a:pPr lvl="4"/>
             <a:r>
-              <a:rPr lang="ja-JP" altLang="en-US" smtClean="0"/>
+              <a:rPr lang="ja-JP" altLang="en-US"/>
               <a:t>第 </a:t>
             </a:r>
             <a:r>
-              <a:rPr lang="en-US" altLang="ja-JP" smtClean="0"/>
+              <a:rPr lang="en-US" altLang="ja-JP"/>
               <a:t>5 </a:t>
             </a:r>
             <a:r>
-              <a:rPr lang="ja-JP" altLang="en-US" smtClean="0"/>
+              <a:rPr lang="ja-JP" altLang="en-US"/>
               <a:t>レベル</a:t>
             </a:r>
             <a:endParaRPr lang="en-US" dirty="0"/>
@@ -2854,7 +2854,7 @@
           <a:p>
             <a:fld id="{D29D3566-B8C8-45EF-8E04-7216D78B12E0}" type="datetimeFigureOut">
               <a:rPr kumimoji="1" lang="ja-JP" altLang="en-US" smtClean="0"/>
-              <a:t>2019/9/6</a:t>
+              <a:t>2019/9/7</a:t>
             </a:fld>
             <a:endParaRPr kumimoji="1" lang="ja-JP" altLang="en-US"/>
           </a:p>
@@ -3261,7 +3261,13 @@
       </p:grpSpPr>
       <p:pic>
         <p:nvPicPr>
-          <p:cNvPr id="2" name="図 1"/>
+          <p:cNvPr id="5" name="図 4">
+            <a:extLst>
+              <a:ext uri="{FF2B5EF4-FFF2-40B4-BE49-F238E27FC236}">
+                <a16:creationId xmlns:a16="http://schemas.microsoft.com/office/drawing/2014/main" id="{884777F1-911B-B14D-A6AC-A59BC515C4F4}"/>
+              </a:ext>
+            </a:extLst>
+          </p:cNvPr>
           <p:cNvPicPr>
             <a:picLocks noChangeAspect="1"/>
           </p:cNvPicPr>
@@ -3292,13 +3298,15 @@
       <p:cxnSp>
         <p:nvCxnSpPr>
           <p:cNvPr id="4" name="直線矢印コネクタ 3"/>
-          <p:cNvCxnSpPr/>
+          <p:cNvCxnSpPr>
+            <a:cxnSpLocks/>
+          </p:cNvCxnSpPr>
           <p:nvPr/>
         </p:nvCxnSpPr>
         <p:spPr>
           <a:xfrm>
-            <a:off x="1457325" y="2579664"/>
-            <a:ext cx="3105150" cy="600075"/>
+            <a:off x="1961535" y="2658791"/>
+            <a:ext cx="2123928" cy="214097"/>
           </a:xfrm>
           <a:prstGeom prst="straightConnector1">
             <a:avLst/>
@@ -3334,8 +3342,8 @@
         </p:nvSpPr>
         <p:spPr>
           <a:xfrm>
-            <a:off x="2381250" y="2455346"/>
-            <a:ext cx="1419225" cy="369332"/>
+            <a:off x="2804973" y="2445526"/>
+            <a:ext cx="692975" cy="369332"/>
           </a:xfrm>
           <a:prstGeom prst="rect">
             <a:avLst/>
@@ -3349,14 +3357,24 @@
           <a:lstStyle/>
           <a:p>
             <a:r>
-              <a:rPr kumimoji="1" lang="en-US" altLang="ja-JP" b="1" dirty="0" smtClean="0">
+              <a:rPr kumimoji="1" lang="en-US" altLang="ja-JP" b="1" dirty="0" err="1">
                 <a:solidFill>
                   <a:schemeClr val="bg1"/>
                 </a:solidFill>
                 <a:latin typeface="Times New Roman" panose="02020603050405020304" pitchFamily="18" charset="0"/>
                 <a:cs typeface="Times New Roman" panose="02020603050405020304" pitchFamily="18" charset="0"/>
               </a:rPr>
-              <a:t>Φ 40 mm</a:t>
+              <a:t>Φ</a:t>
+            </a:r>
+            <a:r>
+              <a:rPr kumimoji="1" lang="en-US" altLang="ja-JP" b="1" dirty="0">
+                <a:solidFill>
+                  <a:schemeClr val="bg1"/>
+                </a:solidFill>
+                <a:latin typeface="Times New Roman" panose="02020603050405020304" pitchFamily="18" charset="0"/>
+                <a:cs typeface="Times New Roman" panose="02020603050405020304" pitchFamily="18" charset="0"/>
+              </a:rPr>
+              <a:t> 40</a:t>
             </a:r>
             <a:endParaRPr kumimoji="1" lang="ja-JP" altLang="en-US" b="1" dirty="0">
               <a:solidFill>
@@ -3371,13 +3389,15 @@
       <p:cxnSp>
         <p:nvCxnSpPr>
           <p:cNvPr id="8" name="直線矢印コネクタ 7"/>
-          <p:cNvCxnSpPr/>
+          <p:cNvCxnSpPr>
+            <a:cxnSpLocks/>
+          </p:cNvCxnSpPr>
           <p:nvPr/>
         </p:nvCxnSpPr>
         <p:spPr>
           <a:xfrm>
-            <a:off x="2371725" y="4114800"/>
-            <a:ext cx="66675" cy="1609725"/>
+            <a:off x="2591992" y="3674225"/>
+            <a:ext cx="17065" cy="1145969"/>
           </a:xfrm>
           <a:prstGeom prst="straightConnector1">
             <a:avLst/>
@@ -3413,8 +3433,8 @@
         </p:nvSpPr>
         <p:spPr>
           <a:xfrm>
-            <a:off x="1590674" y="4635528"/>
-            <a:ext cx="914401" cy="369332"/>
+            <a:off x="2168986" y="4082336"/>
+            <a:ext cx="420583" cy="369332"/>
           </a:xfrm>
           <a:prstGeom prst="rect">
             <a:avLst/>
@@ -3428,7 +3448,7 @@
           <a:lstStyle/>
           <a:p>
             <a:r>
-              <a:rPr lang="en-US" altLang="ja-JP" b="1" dirty="0" smtClean="0">
+              <a:rPr lang="en-US" altLang="ja-JP" b="1" dirty="0">
                 <a:solidFill>
                   <a:schemeClr val="bg1"/>
                 </a:solidFill>
@@ -3437,16 +3457,6 @@
               </a:rPr>
               <a:t>20</a:t>
             </a:r>
-            <a:r>
-              <a:rPr kumimoji="1" lang="en-US" altLang="ja-JP" b="1" dirty="0" smtClean="0">
-                <a:solidFill>
-                  <a:schemeClr val="bg1"/>
-                </a:solidFill>
-                <a:latin typeface="Times New Roman" panose="02020603050405020304" pitchFamily="18" charset="0"/>
-                <a:cs typeface="Times New Roman" panose="02020603050405020304" pitchFamily="18" charset="0"/>
-              </a:rPr>
-              <a:t> mm</a:t>
-            </a:r>
             <a:endParaRPr kumimoji="1" lang="ja-JP" altLang="en-US" b="1" dirty="0">
               <a:solidFill>
                 <a:schemeClr val="bg1"/>
@@ -3460,13 +3470,15 @@
       <p:cxnSp>
         <p:nvCxnSpPr>
           <p:cNvPr id="11" name="直線矢印コネクタ 10"/>
-          <p:cNvCxnSpPr/>
+          <p:cNvCxnSpPr>
+            <a:cxnSpLocks/>
+          </p:cNvCxnSpPr>
           <p:nvPr/>
         </p:nvCxnSpPr>
         <p:spPr>
           <a:xfrm>
-            <a:off x="2591991" y="5835772"/>
-            <a:ext cx="590153" cy="286186"/>
+            <a:off x="2677343" y="4463930"/>
+            <a:ext cx="557402" cy="105309"/>
           </a:xfrm>
           <a:prstGeom prst="straightConnector1">
             <a:avLst/>
@@ -3497,13 +3509,15 @@
       <p:cxnSp>
         <p:nvCxnSpPr>
           <p:cNvPr id="14" name="直線矢印コネクタ 13"/>
-          <p:cNvCxnSpPr/>
+          <p:cNvCxnSpPr>
+            <a:cxnSpLocks/>
+          </p:cNvCxnSpPr>
           <p:nvPr/>
         </p:nvCxnSpPr>
         <p:spPr>
           <a:xfrm flipV="1">
-            <a:off x="3286126" y="5657850"/>
-            <a:ext cx="514349" cy="417589"/>
+            <a:off x="3234745" y="4267002"/>
+            <a:ext cx="343663" cy="302237"/>
           </a:xfrm>
           <a:prstGeom prst="straightConnector1">
             <a:avLst/>
@@ -3539,8 +3553,8 @@
         </p:nvSpPr>
         <p:spPr>
           <a:xfrm>
-            <a:off x="2505075" y="5411439"/>
-            <a:ext cx="1009651" cy="369332"/>
+            <a:off x="2728499" y="4151797"/>
+            <a:ext cx="455090" cy="369332"/>
           </a:xfrm>
           <a:prstGeom prst="rect">
             <a:avLst/>
@@ -3561,27 +3575,17 @@
                 <a:latin typeface="Times New Roman" panose="02020603050405020304" pitchFamily="18" charset="0"/>
                 <a:cs typeface="Times New Roman" panose="02020603050405020304" pitchFamily="18" charset="0"/>
               </a:rPr>
-              <a:t>1</a:t>
-            </a:r>
-            <a:r>
-              <a:rPr lang="en-US" altLang="ja-JP" b="1" dirty="0" smtClean="0">
+              <a:t>10</a:t>
+            </a:r>
+            <a:r>
+              <a:rPr kumimoji="1" lang="en-US" altLang="ja-JP" b="1" dirty="0">
                 <a:solidFill>
                   <a:schemeClr val="bg1"/>
                 </a:solidFill>
                 <a:latin typeface="Times New Roman" panose="02020603050405020304" pitchFamily="18" charset="0"/>
                 <a:cs typeface="Times New Roman" panose="02020603050405020304" pitchFamily="18" charset="0"/>
               </a:rPr>
-              <a:t>0</a:t>
-            </a:r>
-            <a:r>
-              <a:rPr kumimoji="1" lang="en-US" altLang="ja-JP" b="1" dirty="0" smtClean="0">
-                <a:solidFill>
-                  <a:schemeClr val="bg1"/>
-                </a:solidFill>
-                <a:latin typeface="Times New Roman" panose="02020603050405020304" pitchFamily="18" charset="0"/>
-                <a:cs typeface="Times New Roman" panose="02020603050405020304" pitchFamily="18" charset="0"/>
-              </a:rPr>
-              <a:t> mm</a:t>
+              <a:t> </a:t>
             </a:r>
             <a:endParaRPr kumimoji="1" lang="ja-JP" altLang="en-US" b="1" dirty="0">
               <a:solidFill>
@@ -3601,8 +3605,8 @@
         </p:nvSpPr>
         <p:spPr>
           <a:xfrm>
-            <a:off x="3182144" y="5208979"/>
-            <a:ext cx="1009651" cy="369332"/>
+            <a:off x="3151461" y="4094598"/>
+            <a:ext cx="426947" cy="369332"/>
           </a:xfrm>
           <a:prstGeom prst="rect">
             <a:avLst/>
@@ -3623,27 +3627,148 @@
                 <a:latin typeface="Times New Roman" panose="02020603050405020304" pitchFamily="18" charset="0"/>
                 <a:cs typeface="Times New Roman" panose="02020603050405020304" pitchFamily="18" charset="0"/>
               </a:rPr>
-              <a:t>1</a:t>
-            </a:r>
-            <a:r>
-              <a:rPr lang="en-US" altLang="ja-JP" b="1" dirty="0" smtClean="0">
+              <a:t>10</a:t>
+            </a:r>
+            <a:endParaRPr kumimoji="1" lang="ja-JP" altLang="en-US" b="1" dirty="0">
+              <a:solidFill>
+                <a:schemeClr val="bg1"/>
+              </a:solidFill>
+              <a:latin typeface="Times New Roman" panose="02020603050405020304" pitchFamily="18" charset="0"/>
+              <a:cs typeface="Times New Roman" panose="02020603050405020304" pitchFamily="18" charset="0"/>
+            </a:endParaRPr>
+          </a:p>
+        </p:txBody>
+      </p:sp>
+      <p:cxnSp>
+        <p:nvCxnSpPr>
+          <p:cNvPr id="20" name="直線矢印コネクタ 19">
+            <a:extLst>
+              <a:ext uri="{FF2B5EF4-FFF2-40B4-BE49-F238E27FC236}">
+                <a16:creationId xmlns:a16="http://schemas.microsoft.com/office/drawing/2014/main" id="{2F273FE4-C6A5-754C-8962-E9C8D9D34356}"/>
+              </a:ext>
+            </a:extLst>
+          </p:cNvPr>
+          <p:cNvCxnSpPr>
+            <a:cxnSpLocks/>
+          </p:cNvCxnSpPr>
+          <p:nvPr/>
+        </p:nvCxnSpPr>
+        <p:spPr>
+          <a:xfrm>
+            <a:off x="2609057" y="4820194"/>
+            <a:ext cx="34026" cy="1051796"/>
+          </a:xfrm>
+          <a:prstGeom prst="straightConnector1">
+            <a:avLst/>
+          </a:prstGeom>
+          <a:ln w="38100">
+            <a:solidFill>
+              <a:schemeClr val="bg1"/>
+            </a:solidFill>
+            <a:headEnd type="triangle"/>
+            <a:tailEnd type="triangle"/>
+          </a:ln>
+        </p:spPr>
+        <p:style>
+          <a:lnRef idx="1">
+            <a:schemeClr val="accent1"/>
+          </a:lnRef>
+          <a:fillRef idx="0">
+            <a:schemeClr val="accent1"/>
+          </a:fillRef>
+          <a:effectRef idx="0">
+            <a:schemeClr val="accent1"/>
+          </a:effectRef>
+          <a:fontRef idx="minor">
+            <a:schemeClr val="tx1"/>
+          </a:fontRef>
+        </p:style>
+      </p:cxnSp>
+      <p:sp>
+        <p:nvSpPr>
+          <p:cNvPr id="21" name="テキスト ボックス 20">
+            <a:extLst>
+              <a:ext uri="{FF2B5EF4-FFF2-40B4-BE49-F238E27FC236}">
+                <a16:creationId xmlns:a16="http://schemas.microsoft.com/office/drawing/2014/main" id="{BDC1B4B7-AADC-514E-A19B-90EBD965484A}"/>
+              </a:ext>
+            </a:extLst>
+          </p:cNvPr>
+          <p:cNvSpPr txBox="1"/>
+          <p:nvPr/>
+        </p:nvSpPr>
+        <p:spPr>
+          <a:xfrm>
+            <a:off x="2193736" y="5114523"/>
+            <a:ext cx="449347" cy="369332"/>
+          </a:xfrm>
+          <a:prstGeom prst="rect">
+            <a:avLst/>
+          </a:prstGeom>
+          <a:noFill/>
+        </p:spPr>
+        <p:txBody>
+          <a:bodyPr wrap="square" rtlCol="0">
+            <a:spAutoFit/>
+          </a:bodyPr>
+          <a:lstStyle/>
+          <a:p>
+            <a:r>
+              <a:rPr lang="en-US" altLang="ja-JP" b="1" dirty="0">
                 <a:solidFill>
                   <a:schemeClr val="bg1"/>
                 </a:solidFill>
                 <a:latin typeface="Times New Roman" panose="02020603050405020304" pitchFamily="18" charset="0"/>
                 <a:cs typeface="Times New Roman" panose="02020603050405020304" pitchFamily="18" charset="0"/>
               </a:rPr>
-              <a:t>0</a:t>
-            </a:r>
-            <a:r>
-              <a:rPr kumimoji="1" lang="en-US" altLang="ja-JP" b="1" dirty="0" smtClean="0">
+              <a:t>20</a:t>
+            </a:r>
+            <a:endParaRPr kumimoji="1" lang="ja-JP" altLang="en-US" b="1" dirty="0">
+              <a:solidFill>
+                <a:schemeClr val="bg1"/>
+              </a:solidFill>
+              <a:latin typeface="Times New Roman" panose="02020603050405020304" pitchFamily="18" charset="0"/>
+              <a:cs typeface="Times New Roman" panose="02020603050405020304" pitchFamily="18" charset="0"/>
+            </a:endParaRPr>
+          </a:p>
+        </p:txBody>
+      </p:sp>
+      <p:sp>
+        <p:nvSpPr>
+          <p:cNvPr id="27" name="テキスト ボックス 26">
+            <a:extLst>
+              <a:ext uri="{FF2B5EF4-FFF2-40B4-BE49-F238E27FC236}">
+                <a16:creationId xmlns:a16="http://schemas.microsoft.com/office/drawing/2014/main" id="{1A2BBE71-814A-8440-8F1A-E31D85EBFEDF}"/>
+              </a:ext>
+            </a:extLst>
+          </p:cNvPr>
+          <p:cNvSpPr txBox="1"/>
+          <p:nvPr/>
+        </p:nvSpPr>
+        <p:spPr>
+          <a:xfrm>
+            <a:off x="5514291" y="6513241"/>
+            <a:ext cx="1328719" cy="369332"/>
+          </a:xfrm>
+          <a:prstGeom prst="rect">
+            <a:avLst/>
+          </a:prstGeom>
+          <a:noFill/>
+        </p:spPr>
+        <p:txBody>
+          <a:bodyPr wrap="square" rtlCol="0">
+            <a:spAutoFit/>
+          </a:bodyPr>
+          <a:lstStyle/>
+          <a:p>
+            <a:r>
+              <a:rPr kumimoji="1" lang="en-US" altLang="ja-JP" b="1" dirty="0">
                 <a:solidFill>
                   <a:schemeClr val="bg1"/>
                 </a:solidFill>
                 <a:latin typeface="Times New Roman" panose="02020603050405020304" pitchFamily="18" charset="0"/>
                 <a:cs typeface="Times New Roman" panose="02020603050405020304" pitchFamily="18" charset="0"/>
               </a:rPr>
-              <a:t> mm</a:t>
+              <a:t>Unit : mm</a:t>
             </a:r>
             <a:endParaRPr kumimoji="1" lang="ja-JP" altLang="en-US" b="1" dirty="0">
               <a:solidFill>
